--- a/Ricardo/2 Previaesse.pptx
+++ b/Ricardo/2 Previaesse.pptx
@@ -2,7 +2,7 @@
 <file path=ppt/presentation.xml><?xml version="1.0" encoding="utf-8"?>
 <p:presentation xmlns:a="http://schemas.openxmlformats.org/drawingml/2006/main" xmlns:r="http://schemas.openxmlformats.org/officeDocument/2006/relationships" xmlns:p="http://schemas.openxmlformats.org/presentationml/2006/main" saveSubsetFonts="1">
   <p:sldMasterIdLst>
-    <p:sldMasterId id="2147483915" r:id="rId1"/>
+    <p:sldMasterId id="2147483963" r:id="rId1"/>
   </p:sldMasterIdLst>
   <p:sldIdLst>
     <p:sldId id="256" r:id="rId2"/>
@@ -11,11 +11,12 @@
     <p:sldId id="265" r:id="rId5"/>
     <p:sldId id="260" r:id="rId6"/>
     <p:sldId id="266" r:id="rId7"/>
-    <p:sldId id="261" r:id="rId8"/>
-    <p:sldId id="262" r:id="rId9"/>
-    <p:sldId id="267" r:id="rId10"/>
-    <p:sldId id="268" r:id="rId11"/>
-    <p:sldId id="263" r:id="rId12"/>
+    <p:sldId id="269" r:id="rId8"/>
+    <p:sldId id="261" r:id="rId9"/>
+    <p:sldId id="262" r:id="rId10"/>
+    <p:sldId id="267" r:id="rId11"/>
+    <p:sldId id="268" r:id="rId12"/>
+    <p:sldId id="263" r:id="rId13"/>
   </p:sldIdLst>
   <p:sldSz cx="12192000" cy="6858000"/>
   <p:notesSz cx="6858000" cy="9144000"/>
@@ -1220,8 +1221,8 @@
           </a:lstStyle>
           <a:p>
             <a:r>
-              <a:rPr lang="pt-BR"/>
-              <a:t>Clique para editar o título Mestre</a:t>
+              <a:rPr lang="pt-BR" smtClean="0"/>
+              <a:t>Clique para editar o título mestre</a:t>
             </a:r>
             <a:endParaRPr lang="en-US" dirty="0"/>
           </a:p>
@@ -1294,7 +1295,7 @@
           </a:lstStyle>
           <a:p>
             <a:r>
-              <a:rPr lang="pt-BR"/>
+              <a:rPr lang="pt-BR" smtClean="0"/>
               <a:t>Clique para editar o estilo do subtítulo Mestre</a:t>
             </a:r>
             <a:endParaRPr lang="en-US" dirty="0"/>
@@ -1333,7 +1334,7 @@
           <a:p>
             <a:fld id="{8A09CB8F-76C1-4B83-BD7A-0EF91FE318BE}" type="datetimeFigureOut">
               <a:rPr lang="pt-BR" smtClean="0"/>
-              <a:t>05/09/2019</a:t>
+              <a:t>09/09/2019</a:t>
             </a:fld>
             <a:endParaRPr lang="pt-BR"/>
           </a:p>
@@ -1452,7 +1453,7 @@
     </p:spTree>
     <p:extLst>
       <p:ext uri="{BB962C8B-B14F-4D97-AF65-F5344CB8AC3E}">
-        <p14:creationId xmlns:p14="http://schemas.microsoft.com/office/powerpoint/2010/main" val="470832135"/>
+        <p14:creationId xmlns:p14="http://schemas.microsoft.com/office/powerpoint/2010/main" val="665485449"/>
       </p:ext>
     </p:extLst>
   </p:cSld>
@@ -1495,8 +1496,8 @@
           <a:lstStyle/>
           <a:p>
             <a:r>
-              <a:rPr lang="pt-BR"/>
-              <a:t>Clique para editar o título Mestre</a:t>
+              <a:rPr lang="pt-BR" smtClean="0"/>
+              <a:t>Clique para editar o título mestre</a:t>
             </a:r>
             <a:endParaRPr lang="en-US" dirty="0"/>
           </a:p>
@@ -1519,35 +1520,35 @@
           <a:p>
             <a:pPr lvl="0"/>
             <a:r>
-              <a:rPr lang="pt-BR"/>
-              <a:t>Clique para editar os estilos de texto Mestres</a:t>
+              <a:rPr lang="pt-BR" smtClean="0"/>
+              <a:t>Editar estilos de texto Mestre</a:t>
             </a:r>
           </a:p>
           <a:p>
             <a:pPr lvl="1"/>
             <a:r>
-              <a:rPr lang="pt-BR"/>
+              <a:rPr lang="pt-BR" smtClean="0"/>
               <a:t>Segundo nível</a:t>
             </a:r>
           </a:p>
           <a:p>
             <a:pPr lvl="2"/>
             <a:r>
-              <a:rPr lang="pt-BR"/>
+              <a:rPr lang="pt-BR" smtClean="0"/>
               <a:t>Terceiro nível</a:t>
             </a:r>
           </a:p>
           <a:p>
             <a:pPr lvl="3"/>
             <a:r>
-              <a:rPr lang="pt-BR"/>
+              <a:rPr lang="pt-BR" smtClean="0"/>
               <a:t>Quarto nível</a:t>
             </a:r>
           </a:p>
           <a:p>
             <a:pPr lvl="4"/>
             <a:r>
-              <a:rPr lang="pt-BR"/>
+              <a:rPr lang="pt-BR" smtClean="0"/>
               <a:t>Quinto nível</a:t>
             </a:r>
             <a:endParaRPr lang="en-US" dirty="0"/>
@@ -1571,7 +1572,7 @@
           <a:p>
             <a:fld id="{8A09CB8F-76C1-4B83-BD7A-0EF91FE318BE}" type="datetimeFigureOut">
               <a:rPr lang="pt-BR" smtClean="0"/>
-              <a:t>05/09/2019</a:t>
+              <a:t>09/09/2019</a:t>
             </a:fld>
             <a:endParaRPr lang="pt-BR"/>
           </a:p>
@@ -1622,7 +1623,7 @@
     </p:spTree>
     <p:extLst>
       <p:ext uri="{BB962C8B-B14F-4D97-AF65-F5344CB8AC3E}">
-        <p14:creationId xmlns:p14="http://schemas.microsoft.com/office/powerpoint/2010/main" val="4000231077"/>
+        <p14:creationId xmlns:p14="http://schemas.microsoft.com/office/powerpoint/2010/main" val="3732959961"/>
       </p:ext>
     </p:extLst>
   </p:cSld>
@@ -1670,8 +1671,8 @@
           <a:lstStyle/>
           <a:p>
             <a:r>
-              <a:rPr lang="pt-BR"/>
-              <a:t>Clique para editar o título Mestre</a:t>
+              <a:rPr lang="pt-BR" smtClean="0"/>
+              <a:t>Clique para editar o título mestre</a:t>
             </a:r>
             <a:endParaRPr lang="en-US" dirty="0"/>
           </a:p>
@@ -1699,35 +1700,35 @@
           <a:p>
             <a:pPr lvl="0"/>
             <a:r>
-              <a:rPr lang="pt-BR"/>
-              <a:t>Clique para editar os estilos de texto Mestres</a:t>
+              <a:rPr lang="pt-BR" smtClean="0"/>
+              <a:t>Editar estilos de texto Mestre</a:t>
             </a:r>
           </a:p>
           <a:p>
             <a:pPr lvl="1"/>
             <a:r>
-              <a:rPr lang="pt-BR"/>
+              <a:rPr lang="pt-BR" smtClean="0"/>
               <a:t>Segundo nível</a:t>
             </a:r>
           </a:p>
           <a:p>
             <a:pPr lvl="2"/>
             <a:r>
-              <a:rPr lang="pt-BR"/>
+              <a:rPr lang="pt-BR" smtClean="0"/>
               <a:t>Terceiro nível</a:t>
             </a:r>
           </a:p>
           <a:p>
             <a:pPr lvl="3"/>
             <a:r>
-              <a:rPr lang="pt-BR"/>
+              <a:rPr lang="pt-BR" smtClean="0"/>
               <a:t>Quarto nível</a:t>
             </a:r>
           </a:p>
           <a:p>
             <a:pPr lvl="4"/>
             <a:r>
-              <a:rPr lang="pt-BR"/>
+              <a:rPr lang="pt-BR" smtClean="0"/>
               <a:t>Quinto nível</a:t>
             </a:r>
             <a:endParaRPr lang="en-US" dirty="0"/>
@@ -1751,7 +1752,7 @@
           <a:p>
             <a:fld id="{8A09CB8F-76C1-4B83-BD7A-0EF91FE318BE}" type="datetimeFigureOut">
               <a:rPr lang="pt-BR" smtClean="0"/>
-              <a:t>05/09/2019</a:t>
+              <a:t>09/09/2019</a:t>
             </a:fld>
             <a:endParaRPr lang="pt-BR"/>
           </a:p>
@@ -1802,7 +1803,7 @@
     </p:spTree>
     <p:extLst>
       <p:ext uri="{BB962C8B-B14F-4D97-AF65-F5344CB8AC3E}">
-        <p14:creationId xmlns:p14="http://schemas.microsoft.com/office/powerpoint/2010/main" val="1915973557"/>
+        <p14:creationId xmlns:p14="http://schemas.microsoft.com/office/powerpoint/2010/main" val="611958668"/>
       </p:ext>
     </p:extLst>
   </p:cSld>
@@ -1845,8 +1846,8 @@
           <a:lstStyle/>
           <a:p>
             <a:r>
-              <a:rPr lang="pt-BR"/>
-              <a:t>Clique para editar o título Mestre</a:t>
+              <a:rPr lang="pt-BR" smtClean="0"/>
+              <a:t>Clique para editar o título mestre</a:t>
             </a:r>
             <a:endParaRPr lang="en-US" dirty="0"/>
           </a:p>
@@ -1869,35 +1870,35 @@
           <a:p>
             <a:pPr lvl="0"/>
             <a:r>
-              <a:rPr lang="pt-BR"/>
-              <a:t>Clique para editar os estilos de texto Mestres</a:t>
+              <a:rPr lang="pt-BR" smtClean="0"/>
+              <a:t>Editar estilos de texto Mestre</a:t>
             </a:r>
           </a:p>
           <a:p>
             <a:pPr lvl="1"/>
             <a:r>
-              <a:rPr lang="pt-BR"/>
+              <a:rPr lang="pt-BR" smtClean="0"/>
               <a:t>Segundo nível</a:t>
             </a:r>
           </a:p>
           <a:p>
             <a:pPr lvl="2"/>
             <a:r>
-              <a:rPr lang="pt-BR"/>
+              <a:rPr lang="pt-BR" smtClean="0"/>
               <a:t>Terceiro nível</a:t>
             </a:r>
           </a:p>
           <a:p>
             <a:pPr lvl="3"/>
             <a:r>
-              <a:rPr lang="pt-BR"/>
+              <a:rPr lang="pt-BR" smtClean="0"/>
               <a:t>Quarto nível</a:t>
             </a:r>
           </a:p>
           <a:p>
             <a:pPr lvl="4"/>
             <a:r>
-              <a:rPr lang="pt-BR"/>
+              <a:rPr lang="pt-BR" smtClean="0"/>
               <a:t>Quinto nível</a:t>
             </a:r>
             <a:endParaRPr lang="en-US" dirty="0"/>
@@ -1921,7 +1922,7 @@
           <a:p>
             <a:fld id="{8A09CB8F-76C1-4B83-BD7A-0EF91FE318BE}" type="datetimeFigureOut">
               <a:rPr lang="pt-BR" smtClean="0"/>
-              <a:t>05/09/2019</a:t>
+              <a:t>09/09/2019</a:t>
             </a:fld>
             <a:endParaRPr lang="pt-BR"/>
           </a:p>
@@ -1972,7 +1973,7 @@
     </p:spTree>
     <p:extLst>
       <p:ext uri="{BB962C8B-B14F-4D97-AF65-F5344CB8AC3E}">
-        <p14:creationId xmlns:p14="http://schemas.microsoft.com/office/powerpoint/2010/main" val="776437040"/>
+        <p14:creationId xmlns:p14="http://schemas.microsoft.com/office/powerpoint/2010/main" val="903636265"/>
       </p:ext>
     </p:extLst>
   </p:cSld>
@@ -2035,8 +2036,8 @@
           </a:lstStyle>
           <a:p>
             <a:r>
-              <a:rPr lang="pt-BR"/>
-              <a:t>Clique para editar o título Mestre</a:t>
+              <a:rPr lang="pt-BR" smtClean="0"/>
+              <a:t>Clique para editar o título mestre</a:t>
             </a:r>
             <a:endParaRPr lang="en-US" dirty="0"/>
           </a:p>
@@ -2158,8 +2159,8 @@
           <a:p>
             <a:pPr lvl="0"/>
             <a:r>
-              <a:rPr lang="pt-BR"/>
-              <a:t>Clique para editar os estilos de texto Mestres</a:t>
+              <a:rPr lang="pt-BR" smtClean="0"/>
+              <a:t>Editar estilos de texto Mestre</a:t>
             </a:r>
           </a:p>
         </p:txBody>
@@ -2194,7 +2195,7 @@
           <a:p>
             <a:fld id="{8A09CB8F-76C1-4B83-BD7A-0EF91FE318BE}" type="datetimeFigureOut">
               <a:rPr lang="pt-BR" smtClean="0"/>
-              <a:t>05/09/2019</a:t>
+              <a:t>09/09/2019</a:t>
             </a:fld>
             <a:endParaRPr lang="pt-BR"/>
           </a:p>
@@ -3214,7 +3215,7 @@
     </p:spTree>
     <p:extLst>
       <p:ext uri="{BB962C8B-B14F-4D97-AF65-F5344CB8AC3E}">
-        <p14:creationId xmlns:p14="http://schemas.microsoft.com/office/powerpoint/2010/main" val="2976662691"/>
+        <p14:creationId xmlns:p14="http://schemas.microsoft.com/office/powerpoint/2010/main" val="516504202"/>
       </p:ext>
     </p:extLst>
   </p:cSld>
@@ -3257,8 +3258,8 @@
           <a:lstStyle/>
           <a:p>
             <a:r>
-              <a:rPr lang="pt-BR"/>
-              <a:t>Clique para editar o título Mestre</a:t>
+              <a:rPr lang="pt-BR" smtClean="0"/>
+              <a:t>Clique para editar o título mestre</a:t>
             </a:r>
             <a:endParaRPr lang="en-US" dirty="0"/>
           </a:p>
@@ -3286,35 +3287,35 @@
           <a:p>
             <a:pPr lvl="0"/>
             <a:r>
-              <a:rPr lang="pt-BR"/>
-              <a:t>Clique para editar os estilos de texto Mestres</a:t>
+              <a:rPr lang="pt-BR" smtClean="0"/>
+              <a:t>Editar estilos de texto Mestre</a:t>
             </a:r>
           </a:p>
           <a:p>
             <a:pPr lvl="1"/>
             <a:r>
-              <a:rPr lang="pt-BR"/>
+              <a:rPr lang="pt-BR" smtClean="0"/>
               <a:t>Segundo nível</a:t>
             </a:r>
           </a:p>
           <a:p>
             <a:pPr lvl="2"/>
             <a:r>
-              <a:rPr lang="pt-BR"/>
+              <a:rPr lang="pt-BR" smtClean="0"/>
               <a:t>Terceiro nível</a:t>
             </a:r>
           </a:p>
           <a:p>
             <a:pPr lvl="3"/>
             <a:r>
-              <a:rPr lang="pt-BR"/>
+              <a:rPr lang="pt-BR" smtClean="0"/>
               <a:t>Quarto nível</a:t>
             </a:r>
           </a:p>
           <a:p>
             <a:pPr lvl="4"/>
             <a:r>
-              <a:rPr lang="pt-BR"/>
+              <a:rPr lang="pt-BR" smtClean="0"/>
               <a:t>Quinto nível</a:t>
             </a:r>
             <a:endParaRPr lang="en-US" dirty="0"/>
@@ -3343,35 +3344,35 @@
           <a:p>
             <a:pPr lvl="0"/>
             <a:r>
-              <a:rPr lang="pt-BR"/>
-              <a:t>Clique para editar os estilos de texto Mestres</a:t>
+              <a:rPr lang="pt-BR" smtClean="0"/>
+              <a:t>Editar estilos de texto Mestre</a:t>
             </a:r>
           </a:p>
           <a:p>
             <a:pPr lvl="1"/>
             <a:r>
-              <a:rPr lang="pt-BR"/>
+              <a:rPr lang="pt-BR" smtClean="0"/>
               <a:t>Segundo nível</a:t>
             </a:r>
           </a:p>
           <a:p>
             <a:pPr lvl="2"/>
             <a:r>
-              <a:rPr lang="pt-BR"/>
+              <a:rPr lang="pt-BR" smtClean="0"/>
               <a:t>Terceiro nível</a:t>
             </a:r>
           </a:p>
           <a:p>
             <a:pPr lvl="3"/>
             <a:r>
-              <a:rPr lang="pt-BR"/>
+              <a:rPr lang="pt-BR" smtClean="0"/>
               <a:t>Quarto nível</a:t>
             </a:r>
           </a:p>
           <a:p>
             <a:pPr lvl="4"/>
             <a:r>
-              <a:rPr lang="pt-BR"/>
+              <a:rPr lang="pt-BR" smtClean="0"/>
               <a:t>Quinto nível</a:t>
             </a:r>
             <a:endParaRPr lang="en-US" dirty="0"/>
@@ -3395,7 +3396,7 @@
           <a:p>
             <a:fld id="{8A09CB8F-76C1-4B83-BD7A-0EF91FE318BE}" type="datetimeFigureOut">
               <a:rPr lang="pt-BR" smtClean="0"/>
-              <a:t>05/09/2019</a:t>
+              <a:t>09/09/2019</a:t>
             </a:fld>
             <a:endParaRPr lang="pt-BR"/>
           </a:p>
@@ -3446,14 +3447,14 @@
     </p:spTree>
     <p:extLst>
       <p:ext uri="{BB962C8B-B14F-4D97-AF65-F5344CB8AC3E}">
-        <p14:creationId xmlns:p14="http://schemas.microsoft.com/office/powerpoint/2010/main" val="2194333612"/>
+        <p14:creationId xmlns:p14="http://schemas.microsoft.com/office/powerpoint/2010/main" val="2088410855"/>
       </p:ext>
     </p:extLst>
   </p:cSld>
   <p:clrMapOvr>
     <a:masterClrMapping/>
   </p:clrMapOvr>
-  <p:extLst>
+  <p:extLst mod="1">
     <p:ext uri="{DCECCB84-F9BA-43D5-87BE-67443E8EF086}">
       <p15:sldGuideLst xmlns:p15="http://schemas.microsoft.com/office/powerpoint/2012/main"/>
     </p:ext>
@@ -3499,8 +3500,8 @@
           <a:lstStyle/>
           <a:p>
             <a:r>
-              <a:rPr lang="pt-BR"/>
-              <a:t>Clique para editar o título Mestre</a:t>
+              <a:rPr lang="pt-BR" smtClean="0"/>
+              <a:t>Clique para editar o título mestre</a:t>
             </a:r>
             <a:endParaRPr lang="en-US" dirty="0"/>
           </a:p>
@@ -3574,8 +3575,8 @@
           <a:p>
             <a:pPr lvl="0"/>
             <a:r>
-              <a:rPr lang="pt-BR"/>
-              <a:t>Clique para editar os estilos de texto Mestres</a:t>
+              <a:rPr lang="pt-BR" smtClean="0"/>
+              <a:t>Editar estilos de texto Mestre</a:t>
             </a:r>
           </a:p>
         </p:txBody>
@@ -3602,35 +3603,35 @@
           <a:p>
             <a:pPr lvl="0"/>
             <a:r>
-              <a:rPr lang="pt-BR"/>
-              <a:t>Clique para editar os estilos de texto Mestres</a:t>
+              <a:rPr lang="pt-BR" smtClean="0"/>
+              <a:t>Editar estilos de texto Mestre</a:t>
             </a:r>
           </a:p>
           <a:p>
             <a:pPr lvl="1"/>
             <a:r>
-              <a:rPr lang="pt-BR"/>
+              <a:rPr lang="pt-BR" smtClean="0"/>
               <a:t>Segundo nível</a:t>
             </a:r>
           </a:p>
           <a:p>
             <a:pPr lvl="2"/>
             <a:r>
-              <a:rPr lang="pt-BR"/>
+              <a:rPr lang="pt-BR" smtClean="0"/>
               <a:t>Terceiro nível</a:t>
             </a:r>
           </a:p>
           <a:p>
             <a:pPr lvl="3"/>
             <a:r>
-              <a:rPr lang="pt-BR"/>
+              <a:rPr lang="pt-BR" smtClean="0"/>
               <a:t>Quarto nível</a:t>
             </a:r>
           </a:p>
           <a:p>
             <a:pPr lvl="4"/>
             <a:r>
-              <a:rPr lang="pt-BR"/>
+              <a:rPr lang="pt-BR" smtClean="0"/>
               <a:t>Quinto nível</a:t>
             </a:r>
             <a:endParaRPr lang="en-US" dirty="0"/>
@@ -3705,8 +3706,8 @@
           <a:p>
             <a:pPr lvl="0"/>
             <a:r>
-              <a:rPr lang="pt-BR"/>
-              <a:t>Clique para editar os estilos de texto Mestres</a:t>
+              <a:rPr lang="pt-BR" smtClean="0"/>
+              <a:t>Editar estilos de texto Mestre</a:t>
             </a:r>
           </a:p>
         </p:txBody>
@@ -3733,35 +3734,35 @@
           <a:p>
             <a:pPr lvl="0"/>
             <a:r>
-              <a:rPr lang="pt-BR"/>
-              <a:t>Clique para editar os estilos de texto Mestres</a:t>
+              <a:rPr lang="pt-BR" smtClean="0"/>
+              <a:t>Editar estilos de texto Mestre</a:t>
             </a:r>
           </a:p>
           <a:p>
             <a:pPr lvl="1"/>
             <a:r>
-              <a:rPr lang="pt-BR"/>
+              <a:rPr lang="pt-BR" smtClean="0"/>
               <a:t>Segundo nível</a:t>
             </a:r>
           </a:p>
           <a:p>
             <a:pPr lvl="2"/>
             <a:r>
-              <a:rPr lang="pt-BR"/>
+              <a:rPr lang="pt-BR" smtClean="0"/>
               <a:t>Terceiro nível</a:t>
             </a:r>
           </a:p>
           <a:p>
             <a:pPr lvl="3"/>
             <a:r>
-              <a:rPr lang="pt-BR"/>
+              <a:rPr lang="pt-BR" smtClean="0"/>
               <a:t>Quarto nível</a:t>
             </a:r>
           </a:p>
           <a:p>
             <a:pPr lvl="4"/>
             <a:r>
-              <a:rPr lang="pt-BR"/>
+              <a:rPr lang="pt-BR" smtClean="0"/>
               <a:t>Quinto nível</a:t>
             </a:r>
             <a:endParaRPr lang="en-US" dirty="0"/>
@@ -3785,7 +3786,7 @@
           <a:p>
             <a:fld id="{8A09CB8F-76C1-4B83-BD7A-0EF91FE318BE}" type="datetimeFigureOut">
               <a:rPr lang="pt-BR" smtClean="0"/>
-              <a:t>05/09/2019</a:t>
+              <a:t>09/09/2019</a:t>
             </a:fld>
             <a:endParaRPr lang="pt-BR"/>
           </a:p>
@@ -3836,14 +3837,14 @@
     </p:spTree>
     <p:extLst>
       <p:ext uri="{BB962C8B-B14F-4D97-AF65-F5344CB8AC3E}">
-        <p14:creationId xmlns:p14="http://schemas.microsoft.com/office/powerpoint/2010/main" val="3994801704"/>
+        <p14:creationId xmlns:p14="http://schemas.microsoft.com/office/powerpoint/2010/main" val="1146395452"/>
       </p:ext>
     </p:extLst>
   </p:cSld>
   <p:clrMapOvr>
     <a:masterClrMapping/>
   </p:clrMapOvr>
-  <p:extLst>
+  <p:extLst mod="1">
     <p:ext uri="{DCECCB84-F9BA-43D5-87BE-67443E8EF086}">
       <p15:sldGuideLst xmlns:p15="http://schemas.microsoft.com/office/powerpoint/2012/main"/>
     </p:ext>
@@ -3884,8 +3885,8 @@
           <a:lstStyle/>
           <a:p>
             <a:r>
-              <a:rPr lang="pt-BR"/>
-              <a:t>Clique para editar o título Mestre</a:t>
+              <a:rPr lang="pt-BR" smtClean="0"/>
+              <a:t>Clique para editar o título mestre</a:t>
             </a:r>
             <a:endParaRPr lang="en-US" dirty="0"/>
           </a:p>
@@ -3908,7 +3909,7 @@
           <a:p>
             <a:fld id="{8A09CB8F-76C1-4B83-BD7A-0EF91FE318BE}" type="datetimeFigureOut">
               <a:rPr lang="pt-BR" smtClean="0"/>
-              <a:t>05/09/2019</a:t>
+              <a:t>09/09/2019</a:t>
             </a:fld>
             <a:endParaRPr lang="pt-BR"/>
           </a:p>
@@ -3959,7 +3960,7 @@
     </p:spTree>
     <p:extLst>
       <p:ext uri="{BB962C8B-B14F-4D97-AF65-F5344CB8AC3E}">
-        <p14:creationId xmlns:p14="http://schemas.microsoft.com/office/powerpoint/2010/main" val="1750094826"/>
+        <p14:creationId xmlns:p14="http://schemas.microsoft.com/office/powerpoint/2010/main" val="203812099"/>
       </p:ext>
     </p:extLst>
   </p:cSld>
@@ -3971,7 +3972,7 @@
 
 <file path=ppt/slideLayouts/slideLayout7.xml><?xml version="1.0" encoding="utf-8"?>
 <p:sldLayout xmlns:a="http://schemas.openxmlformats.org/drawingml/2006/main" xmlns:r="http://schemas.openxmlformats.org/officeDocument/2006/relationships" xmlns:p="http://schemas.openxmlformats.org/presentationml/2006/main" type="blank" preserve="1">
-  <p:cSld name="Em Branco">
+  <p:cSld name="Em branco">
     <p:spTree>
       <p:nvGrpSpPr>
         <p:cNvPr id="1" name=""/>
@@ -4003,7 +4004,7 @@
           <a:p>
             <a:fld id="{8A09CB8F-76C1-4B83-BD7A-0EF91FE318BE}" type="datetimeFigureOut">
               <a:rPr lang="pt-BR" smtClean="0"/>
-              <a:t>05/09/2019</a:t>
+              <a:t>09/09/2019</a:t>
             </a:fld>
             <a:endParaRPr lang="pt-BR"/>
           </a:p>
@@ -4054,7 +4055,7 @@
     </p:spTree>
     <p:extLst>
       <p:ext uri="{BB962C8B-B14F-4D97-AF65-F5344CB8AC3E}">
-        <p14:creationId xmlns:p14="http://schemas.microsoft.com/office/powerpoint/2010/main" val="2916863971"/>
+        <p14:creationId xmlns:p14="http://schemas.microsoft.com/office/powerpoint/2010/main" val="2247977412"/>
       </p:ext>
     </p:extLst>
   </p:cSld>
@@ -4577,8 +4578,8 @@
           </a:lstStyle>
           <a:p>
             <a:r>
-              <a:rPr lang="pt-BR"/>
-              <a:t>Clique para editar o título Mestre</a:t>
+              <a:rPr lang="pt-BR" smtClean="0"/>
+              <a:t>Clique para editar o título mestre</a:t>
             </a:r>
             <a:endParaRPr lang="en-US" dirty="0"/>
           </a:p>
@@ -4634,35 +4635,35 @@
           <a:p>
             <a:pPr lvl="0"/>
             <a:r>
-              <a:rPr lang="pt-BR"/>
-              <a:t>Clique para editar os estilos de texto Mestres</a:t>
+              <a:rPr lang="pt-BR" smtClean="0"/>
+              <a:t>Editar estilos de texto Mestre</a:t>
             </a:r>
           </a:p>
           <a:p>
             <a:pPr lvl="1"/>
             <a:r>
-              <a:rPr lang="pt-BR"/>
+              <a:rPr lang="pt-BR" smtClean="0"/>
               <a:t>Segundo nível</a:t>
             </a:r>
           </a:p>
           <a:p>
             <a:pPr lvl="2"/>
             <a:r>
-              <a:rPr lang="pt-BR"/>
+              <a:rPr lang="pt-BR" smtClean="0"/>
               <a:t>Terceiro nível</a:t>
             </a:r>
           </a:p>
           <a:p>
             <a:pPr lvl="3"/>
             <a:r>
-              <a:rPr lang="pt-BR"/>
+              <a:rPr lang="pt-BR" smtClean="0"/>
               <a:t>Quarto nível</a:t>
             </a:r>
           </a:p>
           <a:p>
             <a:pPr lvl="4"/>
             <a:r>
-              <a:rPr lang="pt-BR"/>
+              <a:rPr lang="pt-BR" smtClean="0"/>
               <a:t>Quinto nível</a:t>
             </a:r>
             <a:endParaRPr lang="en-US" dirty="0"/>
@@ -4738,8 +4739,8 @@
           <a:p>
             <a:pPr lvl="0"/>
             <a:r>
-              <a:rPr lang="pt-BR"/>
-              <a:t>Clique para editar os estilos de texto Mestres</a:t>
+              <a:rPr lang="pt-BR" smtClean="0"/>
+              <a:t>Editar estilos de texto Mestre</a:t>
             </a:r>
           </a:p>
         </p:txBody>
@@ -4766,7 +4767,7 @@
           <a:p>
             <a:fld id="{8A09CB8F-76C1-4B83-BD7A-0EF91FE318BE}" type="datetimeFigureOut">
               <a:rPr lang="pt-BR" smtClean="0"/>
-              <a:t>05/09/2019</a:t>
+              <a:t>09/09/2019</a:t>
             </a:fld>
             <a:endParaRPr lang="pt-BR"/>
           </a:p>
@@ -4865,14 +4866,14 @@
     </p:spTree>
     <p:extLst>
       <p:ext uri="{BB962C8B-B14F-4D97-AF65-F5344CB8AC3E}">
-        <p14:creationId xmlns:p14="http://schemas.microsoft.com/office/powerpoint/2010/main" val="2763823920"/>
+        <p14:creationId xmlns:p14="http://schemas.microsoft.com/office/powerpoint/2010/main" val="100313233"/>
       </p:ext>
     </p:extLst>
   </p:cSld>
   <p:clrMapOvr>
     <a:masterClrMapping/>
   </p:clrMapOvr>
-  <p:extLst>
+  <p:extLst mod="1">
     <p:ext uri="{DCECCB84-F9BA-43D5-87BE-67443E8EF086}">
       <p15:sldGuideLst xmlns:p15="http://schemas.microsoft.com/office/powerpoint/2012/main">
         <p15:guide id="1" orient="horz" pos="696">
@@ -4961,7 +4962,7 @@
           </a:lstStyle>
           <a:p>
             <a:r>
-              <a:rPr lang="pt-BR"/>
+              <a:rPr lang="pt-BR" smtClean="0"/>
               <a:t>Clique no ícone para adicionar uma imagem</a:t>
             </a:r>
             <a:endParaRPr lang="en-US" dirty="0"/>
@@ -5502,8 +5503,8 @@
           </a:lstStyle>
           <a:p>
             <a:r>
-              <a:rPr lang="pt-BR"/>
-              <a:t>Clique para editar o título Mestre</a:t>
+              <a:rPr lang="pt-BR" smtClean="0"/>
+              <a:t>Clique para editar o título mestre</a:t>
             </a:r>
             <a:endParaRPr lang="en-US" dirty="0"/>
           </a:p>
@@ -5578,8 +5579,8 @@
           <a:p>
             <a:pPr lvl="0"/>
             <a:r>
-              <a:rPr lang="pt-BR"/>
-              <a:t>Clique para editar os estilos de texto Mestres</a:t>
+              <a:rPr lang="pt-BR" smtClean="0"/>
+              <a:t>Editar estilos de texto Mestre</a:t>
             </a:r>
           </a:p>
         </p:txBody>
@@ -5606,7 +5607,7 @@
           <a:p>
             <a:fld id="{8A09CB8F-76C1-4B83-BD7A-0EF91FE318BE}" type="datetimeFigureOut">
               <a:rPr lang="pt-BR" smtClean="0"/>
-              <a:t>05/09/2019</a:t>
+              <a:t>09/09/2019</a:t>
             </a:fld>
             <a:endParaRPr lang="pt-BR"/>
           </a:p>
@@ -5667,7 +5668,7 @@
     </p:spTree>
     <p:extLst>
       <p:ext uri="{BB962C8B-B14F-4D97-AF65-F5344CB8AC3E}">
-        <p14:creationId xmlns:p14="http://schemas.microsoft.com/office/powerpoint/2010/main" val="274466233"/>
+        <p14:creationId xmlns:p14="http://schemas.microsoft.com/office/powerpoint/2010/main" val="4171033123"/>
       </p:ext>
     </p:extLst>
   </p:cSld>
@@ -5728,8 +5729,8 @@
           <a:lstStyle/>
           <a:p>
             <a:r>
-              <a:rPr lang="pt-BR"/>
-              <a:t>Clique para editar o título Mestre</a:t>
+              <a:rPr lang="pt-BR" smtClean="0"/>
+              <a:t>Clique para editar o título mestre</a:t>
             </a:r>
             <a:endParaRPr lang="en-US" dirty="0"/>
           </a:p>
@@ -5762,35 +5763,35 @@
           <a:p>
             <a:pPr lvl="0"/>
             <a:r>
-              <a:rPr lang="pt-BR"/>
-              <a:t>Clique para editar os estilos de texto Mestres</a:t>
+              <a:rPr lang="pt-BR" smtClean="0"/>
+              <a:t>Editar estilos de texto Mestre</a:t>
             </a:r>
           </a:p>
           <a:p>
             <a:pPr lvl="1"/>
             <a:r>
-              <a:rPr lang="pt-BR"/>
+              <a:rPr lang="pt-BR" smtClean="0"/>
               <a:t>Segundo nível</a:t>
             </a:r>
           </a:p>
           <a:p>
             <a:pPr lvl="2"/>
             <a:r>
-              <a:rPr lang="pt-BR"/>
+              <a:rPr lang="pt-BR" smtClean="0"/>
               <a:t>Terceiro nível</a:t>
             </a:r>
           </a:p>
           <a:p>
             <a:pPr lvl="3"/>
             <a:r>
-              <a:rPr lang="pt-BR"/>
+              <a:rPr lang="pt-BR" smtClean="0"/>
               <a:t>Quarto nível</a:t>
             </a:r>
           </a:p>
           <a:p>
             <a:pPr lvl="4"/>
             <a:r>
-              <a:rPr lang="pt-BR"/>
+              <a:rPr lang="pt-BR" smtClean="0"/>
               <a:t>Quinto nível</a:t>
             </a:r>
             <a:endParaRPr lang="en-US" dirty="0"/>
@@ -5833,7 +5834,7 @@
           <a:p>
             <a:fld id="{8A09CB8F-76C1-4B83-BD7A-0EF91FE318BE}" type="datetimeFigureOut">
               <a:rPr lang="pt-BR" smtClean="0"/>
-              <a:t>05/09/2019</a:t>
+              <a:t>09/09/2019</a:t>
             </a:fld>
             <a:endParaRPr lang="pt-BR"/>
           </a:p>
@@ -6424,23 +6425,23 @@
     </p:spTree>
     <p:extLst>
       <p:ext uri="{BB962C8B-B14F-4D97-AF65-F5344CB8AC3E}">
-        <p14:creationId xmlns:p14="http://schemas.microsoft.com/office/powerpoint/2010/main" val="3505258016"/>
+        <p14:creationId xmlns:p14="http://schemas.microsoft.com/office/powerpoint/2010/main" val="2431959026"/>
       </p:ext>
     </p:extLst>
   </p:cSld>
   <p:clrMap bg1="lt1" tx1="dk1" bg2="lt2" tx2="dk2" accent1="accent1" accent2="accent2" accent3="accent3" accent4="accent4" accent5="accent5" accent6="accent6" hlink="hlink" folHlink="folHlink"/>
   <p:sldLayoutIdLst>
-    <p:sldLayoutId id="2147483916" r:id="rId1"/>
-    <p:sldLayoutId id="2147483917" r:id="rId2"/>
-    <p:sldLayoutId id="2147483918" r:id="rId3"/>
-    <p:sldLayoutId id="2147483919" r:id="rId4"/>
-    <p:sldLayoutId id="2147483920" r:id="rId5"/>
-    <p:sldLayoutId id="2147483921" r:id="rId6"/>
-    <p:sldLayoutId id="2147483922" r:id="rId7"/>
-    <p:sldLayoutId id="2147483923" r:id="rId8"/>
-    <p:sldLayoutId id="2147483924" r:id="rId9"/>
-    <p:sldLayoutId id="2147483925" r:id="rId10"/>
-    <p:sldLayoutId id="2147483926" r:id="rId11"/>
+    <p:sldLayoutId id="2147483964" r:id="rId1"/>
+    <p:sldLayoutId id="2147483965" r:id="rId2"/>
+    <p:sldLayoutId id="2147483966" r:id="rId3"/>
+    <p:sldLayoutId id="2147483967" r:id="rId4"/>
+    <p:sldLayoutId id="2147483968" r:id="rId5"/>
+    <p:sldLayoutId id="2147483969" r:id="rId6"/>
+    <p:sldLayoutId id="2147483970" r:id="rId7"/>
+    <p:sldLayoutId id="2147483971" r:id="rId8"/>
+    <p:sldLayoutId id="2147483972" r:id="rId9"/>
+    <p:sldLayoutId id="2147483973" r:id="rId10"/>
+    <p:sldLayoutId id="2147483974" r:id="rId11"/>
   </p:sldLayoutIdLst>
   <p:txStyles>
     <p:titleStyle>
@@ -6776,7 +6777,7 @@
       </a:lvl9pPr>
     </p:otherStyle>
   </p:txStyles>
-  <p:extLst>
+  <p:extLst mod="1">
     <p:ext uri="{27BBF7A9-308A-43DC-89C8-2F10F3537804}">
       <p15:sldGuideLst xmlns:p15="http://schemas.microsoft.com/office/powerpoint/2012/main">
         <p15:guide id="1" pos="792">
@@ -6870,6 +6871,52 @@
           </a:p>
         </p:txBody>
       </p:sp>
+      <p:sp>
+        <p:nvSpPr>
+          <p:cNvPr id="3" name="CaixaDeTexto 2"/>
+          <p:cNvSpPr txBox="1"/>
+          <p:nvPr/>
+        </p:nvSpPr>
+        <p:spPr>
+          <a:xfrm>
+            <a:off x="6099840" y="4035973"/>
+            <a:ext cx="2841547" cy="646331"/>
+          </a:xfrm>
+          <a:prstGeom prst="rect">
+            <a:avLst/>
+          </a:prstGeom>
+          <a:noFill/>
+        </p:spPr>
+        <p:txBody>
+          <a:bodyPr wrap="none" rtlCol="0">
+            <a:spAutoFit/>
+          </a:bodyPr>
+          <a:lstStyle/>
+          <a:p>
+            <a:r>
+              <a:rPr lang="pt-BR" sz="3600" dirty="0" smtClean="0"/>
+              <a:t>(</a:t>
+            </a:r>
+            <a:r>
+              <a:rPr lang="pt-BR" sz="3600" dirty="0" err="1" smtClean="0"/>
+              <a:t>Etec</a:t>
+            </a:r>
+            <a:r>
+              <a:rPr lang="pt-BR" sz="3600" dirty="0" smtClean="0"/>
+              <a:t> </a:t>
+            </a:r>
+            <a:r>
+              <a:rPr lang="pt-BR" sz="3600" dirty="0" err="1" smtClean="0"/>
+              <a:t>Locker</a:t>
+            </a:r>
+            <a:r>
+              <a:rPr lang="pt-BR" sz="3600" dirty="0" smtClean="0"/>
+              <a:t> )</a:t>
+            </a:r>
+            <a:endParaRPr lang="pt-BR" sz="3600" dirty="0"/>
+          </a:p>
+        </p:txBody>
+      </p:sp>
     </p:spTree>
     <p:extLst>
       <p:ext uri="{BB962C8B-B14F-4D97-AF65-F5344CB8AC3E}">
@@ -6905,6 +6952,137 @@
 <file path=ppt/slides/slide10.xml><?xml version="1.0" encoding="utf-8"?>
 <p:sld xmlns:a="http://schemas.openxmlformats.org/drawingml/2006/main" xmlns:r="http://schemas.openxmlformats.org/officeDocument/2006/relationships" xmlns:p="http://schemas.openxmlformats.org/presentationml/2006/main">
   <p:cSld>
+    <p:bg>
+      <p:bgPr>
+        <a:blipFill dpi="0" rotWithShape="1">
+          <a:blip r:embed="rId2">
+            <a:alphaModFix amt="20000"/>
+            <a:lum/>
+          </a:blip>
+          <a:srcRect/>
+          <a:stretch>
+            <a:fillRect t="-17000" b="-17000"/>
+          </a:stretch>
+        </a:blipFill>
+        <a:effectLst/>
+      </p:bgPr>
+    </p:bg>
+    <p:spTree>
+      <p:nvGrpSpPr>
+        <p:cNvPr id="1" name=""/>
+        <p:cNvGrpSpPr/>
+        <p:nvPr/>
+      </p:nvGrpSpPr>
+      <p:grpSpPr>
+        <a:xfrm>
+          <a:off x="0" y="0"/>
+          <a:ext cx="0" cy="0"/>
+          <a:chOff x="0" y="0"/>
+          <a:chExt cx="0" cy="0"/>
+        </a:xfrm>
+      </p:grpSpPr>
+      <p:sp>
+        <p:nvSpPr>
+          <p:cNvPr id="2" name="Título 1"/>
+          <p:cNvSpPr>
+            <a:spLocks noGrp="1"/>
+          </p:cNvSpPr>
+          <p:nvPr>
+            <p:ph type="title"/>
+          </p:nvPr>
+        </p:nvSpPr>
+        <p:spPr/>
+        <p:txBody>
+          <a:bodyPr/>
+          <a:lstStyle/>
+          <a:p>
+            <a:r>
+              <a:rPr lang="pt-BR" dirty="0" err="1" smtClean="0"/>
+              <a:t>Wireframe</a:t>
+            </a:r>
+            <a:endParaRPr lang="pt-BR" dirty="0"/>
+          </a:p>
+        </p:txBody>
+      </p:sp>
+      <p:sp>
+        <p:nvSpPr>
+          <p:cNvPr id="3" name="Espaço Reservado para Conteúdo 2"/>
+          <p:cNvSpPr>
+            <a:spLocks noGrp="1"/>
+          </p:cNvSpPr>
+          <p:nvPr>
+            <p:ph idx="1"/>
+          </p:nvPr>
+        </p:nvSpPr>
+        <p:spPr/>
+        <p:txBody>
+          <a:bodyPr/>
+          <a:lstStyle/>
+          <a:p>
+            <a:endParaRPr lang="pt-BR"/>
+          </a:p>
+        </p:txBody>
+      </p:sp>
+    </p:spTree>
+    <p:extLst>
+      <p:ext uri="{BB962C8B-B14F-4D97-AF65-F5344CB8AC3E}">
+        <p14:creationId xmlns:p14="http://schemas.microsoft.com/office/powerpoint/2010/main" val="622716695"/>
+      </p:ext>
+    </p:extLst>
+  </p:cSld>
+  <p:clrMapOvr>
+    <a:masterClrMapping/>
+  </p:clrMapOvr>
+  <p:transition spd="slow">
+    <p:push dir="u"/>
+  </p:transition>
+  <p:timing>
+    <p:tnLst>
+      <p:par>
+        <p:cTn id="1" dur="indefinite" restart="never" nodeType="tmRoot"/>
+      </p:par>
+    </p:tnLst>
+  </p:timing>
+</p:sld>
+</file>
+
+<file path=ppt/slides/slide11.xml><?xml version="1.0" encoding="utf-8"?>
+<p:sld xmlns:a="http://schemas.openxmlformats.org/drawingml/2006/main" xmlns:r="http://schemas.openxmlformats.org/officeDocument/2006/relationships" xmlns:p="http://schemas.openxmlformats.org/presentationml/2006/main">
+  <p:cSld>
+    <p:bg>
+      <p:bgPr>
+        <a:gradFill>
+          <a:gsLst>
+            <a:gs pos="0">
+              <a:schemeClr val="accent1">
+                <a:lumMod val="5000"/>
+                <a:lumOff val="95000"/>
+              </a:schemeClr>
+            </a:gs>
+            <a:gs pos="74000">
+              <a:schemeClr val="accent1">
+                <a:lumMod val="45000"/>
+                <a:lumOff val="55000"/>
+              </a:schemeClr>
+            </a:gs>
+            <a:gs pos="83000">
+              <a:schemeClr val="accent1">
+                <a:lumMod val="45000"/>
+                <a:lumOff val="55000"/>
+              </a:schemeClr>
+            </a:gs>
+            <a:gs pos="100000">
+              <a:schemeClr val="accent1">
+                <a:lumMod val="30000"/>
+                <a:lumOff val="70000"/>
+              </a:schemeClr>
+            </a:gs>
+          </a:gsLst>
+          <a:lin ang="5400000" scaled="1"/>
+        </a:gradFill>
+        <a:effectLst/>
+      </p:bgPr>
+    </p:bg>
     <p:spTree>
       <p:nvGrpSpPr>
         <p:cNvPr id="1" name=""/>
@@ -6942,25 +7120,36 @@
           </a:p>
         </p:txBody>
       </p:sp>
-      <p:sp>
-        <p:nvSpPr>
-          <p:cNvPr id="3" name="Espaço Reservado para Conteúdo 2"/>
-          <p:cNvSpPr>
-            <a:spLocks noGrp="1"/>
-          </p:cNvSpPr>
-          <p:nvPr>
-            <p:ph idx="1"/>
-          </p:nvPr>
-        </p:nvSpPr>
-        <p:spPr/>
-        <p:txBody>
-          <a:bodyPr/>
-          <a:lstStyle/>
-          <a:p>
-            <a:endParaRPr lang="pt-BR"/>
-          </a:p>
-        </p:txBody>
-      </p:sp>
+      <p:pic>
+        <p:nvPicPr>
+          <p:cNvPr id="5" name="Imagem 4"/>
+          <p:cNvPicPr>
+            <a:picLocks noChangeAspect="1"/>
+          </p:cNvPicPr>
+          <p:nvPr/>
+        </p:nvPicPr>
+        <p:blipFill>
+          <a:blip r:embed="rId2">
+            <a:extLst>
+              <a:ext uri="{28A0092B-C50C-407E-A947-70E740481C1C}">
+                <a14:useLocalDpi xmlns:a14="http://schemas.microsoft.com/office/drawing/2010/main" val="0"/>
+              </a:ext>
+            </a:extLst>
+          </a:blip>
+          <a:stretch>
+            <a:fillRect/>
+          </a:stretch>
+        </p:blipFill>
+        <p:spPr>
+          <a:xfrm>
+            <a:off x="3165776" y="1284599"/>
+            <a:ext cx="5599852" cy="5130108"/>
+          </a:xfrm>
+          <a:prstGeom prst="rect">
+            <a:avLst/>
+          </a:prstGeom>
+        </p:spPr>
+      </p:pic>
     </p:spTree>
     <p:extLst>
       <p:ext uri="{BB962C8B-B14F-4D97-AF65-F5344CB8AC3E}">
@@ -6971,6 +7160,9 @@
   <p:clrMapOvr>
     <a:masterClrMapping/>
   </p:clrMapOvr>
+  <p:transition spd="slow">
+    <p:push dir="u"/>
+  </p:transition>
   <p:timing>
     <p:tnLst>
       <p:par>
@@ -6981,19 +7173,19 @@
 </p:sld>
 </file>
 
-<file path=ppt/slides/slide11.xml><?xml version="1.0" encoding="utf-8"?>
+<file path=ppt/slides/slide12.xml><?xml version="1.0" encoding="utf-8"?>
 <p:sld xmlns:a="http://schemas.openxmlformats.org/drawingml/2006/main" xmlns:r="http://schemas.openxmlformats.org/officeDocument/2006/relationships" xmlns:p="http://schemas.openxmlformats.org/presentationml/2006/main">
   <p:cSld>
     <p:bg>
       <p:bgPr>
         <a:blipFill dpi="0" rotWithShape="1">
           <a:blip r:embed="rId2">
-            <a:alphaModFix amt="36000"/>
+            <a:alphaModFix amt="20000"/>
             <a:lum/>
           </a:blip>
           <a:srcRect/>
           <a:stretch>
-            <a:fillRect t="-29000" b="-29000"/>
+            <a:fillRect t="-17000" b="-17000"/>
           </a:stretch>
         </a:blipFill>
         <a:effectLst/>
@@ -7121,12 +7313,12 @@
       <p:bgPr>
         <a:blipFill dpi="0" rotWithShape="1">
           <a:blip r:embed="rId2">
-            <a:alphaModFix amt="36000"/>
+            <a:alphaModFix amt="20000"/>
             <a:lum/>
           </a:blip>
           <a:srcRect/>
           <a:stretch>
-            <a:fillRect t="-29000" b="-29000"/>
+            <a:fillRect t="-17000" b="-17000"/>
           </a:stretch>
         </a:blipFill>
         <a:effectLst/>
@@ -7524,12 +7716,12 @@
       <p:bgPr>
         <a:blipFill dpi="0" rotWithShape="1">
           <a:blip r:embed="rId2">
-            <a:alphaModFix amt="36000"/>
+            <a:alphaModFix amt="20000"/>
             <a:lum/>
           </a:blip>
           <a:srcRect/>
           <a:stretch>
-            <a:fillRect t="-29000" b="-29000"/>
+            <a:fillRect t="-17000" b="-17000"/>
           </a:stretch>
         </a:blipFill>
         <a:effectLst/>
@@ -7747,12 +7939,12 @@
       <p:bgPr>
         <a:blipFill dpi="0" rotWithShape="1">
           <a:blip r:embed="rId2">
-            <a:alphaModFix amt="36000"/>
+            <a:alphaModFix amt="20000"/>
             <a:lum/>
           </a:blip>
           <a:srcRect/>
           <a:stretch>
-            <a:fillRect t="-29000" b="-29000"/>
+            <a:fillRect t="-17000" b="-17000"/>
           </a:stretch>
         </a:blipFill>
         <a:effectLst/>
@@ -7790,67 +7982,192 @@
         </p:spPr>
         <p:txBody>
           <a:bodyPr>
-            <a:normAutofit fontScale="92500" lnSpcReduction="10000"/>
+            <a:noAutofit/>
           </a:bodyPr>
           <a:lstStyle/>
           <a:p>
-            <a:pPr marL="285750" indent="-285750" algn="l">
-              <a:buFont typeface="Arial" panose="020B0604020202020204" pitchFamily="34" charset="0"/>
-              <a:buChar char="•"/>
+            <a:pPr algn="l">
+              <a:buFont typeface="Wingdings" panose="05000000000000000000" pitchFamily="2" charset="2"/>
+              <a:buChar char="v"/>
             </a:pPr>
             <a:r>
-              <a:rPr lang="pt-BR" sz="2000"/>
-              <a:t>Deixar o material escolar nos armários resulta em mochilas mais leves e consequentemente traz mais conforto e bem-estar aos alunos</a:t>
+              <a:rPr lang="pt-BR" dirty="0">
+                <a:solidFill>
+                  <a:schemeClr val="tx1"/>
+                </a:solidFill>
+                <a:latin typeface="Calibri" panose="020F0502020204030204" pitchFamily="34" charset="0"/>
+              </a:rPr>
+              <a:t>Deixar o material escolar nos armários resulta em mochilas mais leves e consequentemente traz mais conforto e bem-estar aos </a:t>
+            </a:r>
+            <a:r>
+              <a:rPr lang="pt-BR" dirty="0" smtClean="0">
+                <a:solidFill>
+                  <a:schemeClr val="tx1"/>
+                </a:solidFill>
+                <a:latin typeface="Calibri" panose="020F0502020204030204" pitchFamily="34" charset="0"/>
+              </a:rPr>
+              <a:t>alunos</a:t>
             </a:r>
           </a:p>
           <a:p>
-            <a:pPr marL="285750" indent="-285750" algn="l">
-              <a:buFont typeface="Arial" panose="020B0604020202020204" pitchFamily="34" charset="0"/>
-              <a:buChar char="•"/>
+            <a:pPr algn="l">
+              <a:buFont typeface="Wingdings" panose="05000000000000000000" pitchFamily="2" charset="2"/>
+              <a:buChar char="v"/>
             </a:pPr>
-            <a:endParaRPr lang="pt-BR" sz="2000"/>
+            <a:endParaRPr lang="pt-BR" dirty="0">
+              <a:solidFill>
+                <a:schemeClr val="tx1"/>
+              </a:solidFill>
+              <a:latin typeface="Calibri" panose="020F0502020204030204" pitchFamily="34" charset="0"/>
+            </a:endParaRPr>
           </a:p>
           <a:p>
-            <a:pPr marL="285750" indent="-285750" algn="l">
-              <a:buFont typeface="Arial" panose="020B0604020202020204" pitchFamily="34" charset="0"/>
-              <a:buChar char="•"/>
+            <a:pPr algn="l">
+              <a:buFont typeface="Wingdings" panose="05000000000000000000" pitchFamily="2" charset="2"/>
+              <a:buChar char="v"/>
             </a:pPr>
             <a:r>
-              <a:rPr lang="pt-BR" sz="2000"/>
-              <a:t>Além de ajudar a prevenir problemas de saúde, como dores nas costas, problemas posturais e doenças como escoliose, hipeelordose, hipeecifose e pinçamento do nervo.</a:t>
+              <a:rPr lang="pt-BR" dirty="0" smtClean="0">
+                <a:solidFill>
+                  <a:schemeClr val="tx1"/>
+                </a:solidFill>
+                <a:latin typeface="Calibri" panose="020F0502020204030204" pitchFamily="34" charset="0"/>
+              </a:rPr>
+              <a:t>Além </a:t>
+            </a:r>
+            <a:r>
+              <a:rPr lang="pt-BR" dirty="0">
+                <a:solidFill>
+                  <a:schemeClr val="tx1"/>
+                </a:solidFill>
+                <a:latin typeface="Calibri" panose="020F0502020204030204" pitchFamily="34" charset="0"/>
+              </a:rPr>
+              <a:t>de ajudar a prevenir problemas de saúde, como dores nas costas, problemas posturais e doenças como escoliose, </a:t>
+            </a:r>
+            <a:r>
+              <a:rPr lang="pt-BR" dirty="0" err="1">
+                <a:solidFill>
+                  <a:schemeClr val="tx1"/>
+                </a:solidFill>
+                <a:latin typeface="Calibri" panose="020F0502020204030204" pitchFamily="34" charset="0"/>
+              </a:rPr>
+              <a:t>hipeelordose</a:t>
+            </a:r>
+            <a:r>
+              <a:rPr lang="pt-BR" dirty="0">
+                <a:solidFill>
+                  <a:schemeClr val="tx1"/>
+                </a:solidFill>
+                <a:latin typeface="Calibri" panose="020F0502020204030204" pitchFamily="34" charset="0"/>
+              </a:rPr>
+              <a:t>, </a:t>
+            </a:r>
+            <a:r>
+              <a:rPr lang="pt-BR" dirty="0" err="1">
+                <a:solidFill>
+                  <a:schemeClr val="tx1"/>
+                </a:solidFill>
+                <a:latin typeface="Calibri" panose="020F0502020204030204" pitchFamily="34" charset="0"/>
+              </a:rPr>
+              <a:t>hipeecifose</a:t>
+            </a:r>
+            <a:r>
+              <a:rPr lang="pt-BR" dirty="0">
+                <a:solidFill>
+                  <a:schemeClr val="tx1"/>
+                </a:solidFill>
+                <a:latin typeface="Calibri" panose="020F0502020204030204" pitchFamily="34" charset="0"/>
+              </a:rPr>
+              <a:t> e </a:t>
+            </a:r>
+            <a:r>
+              <a:rPr lang="pt-BR" dirty="0" err="1">
+                <a:solidFill>
+                  <a:schemeClr val="tx1"/>
+                </a:solidFill>
+                <a:latin typeface="Calibri" panose="020F0502020204030204" pitchFamily="34" charset="0"/>
+              </a:rPr>
+              <a:t>pinçamento</a:t>
+            </a:r>
+            <a:r>
+              <a:rPr lang="pt-BR" dirty="0">
+                <a:solidFill>
+                  <a:schemeClr val="tx1"/>
+                </a:solidFill>
+                <a:latin typeface="Calibri" panose="020F0502020204030204" pitchFamily="34" charset="0"/>
+              </a:rPr>
+              <a:t> do nervo.</a:t>
             </a:r>
           </a:p>
           <a:p>
-            <a:pPr marL="285750" indent="-285750" algn="l">
-              <a:buFont typeface="Arial" panose="020B0604020202020204" pitchFamily="34" charset="0"/>
-              <a:buChar char="•"/>
+            <a:pPr algn="l">
+              <a:buFont typeface="Wingdings" panose="05000000000000000000" pitchFamily="2" charset="2"/>
+              <a:buChar char="v"/>
             </a:pPr>
-            <a:endParaRPr lang="pt-BR" sz="2000"/>
+            <a:endParaRPr lang="pt-BR" dirty="0">
+              <a:solidFill>
+                <a:schemeClr val="tx1"/>
+              </a:solidFill>
+              <a:latin typeface="Calibri" panose="020F0502020204030204" pitchFamily="34" charset="0"/>
+            </a:endParaRPr>
           </a:p>
           <a:p>
-            <a:pPr marL="285750" indent="-285750" algn="l">
-              <a:buFont typeface="Arial" panose="020B0604020202020204" pitchFamily="34" charset="0"/>
-              <a:buChar char="•"/>
+            <a:pPr algn="l">
+              <a:buFont typeface="Wingdings" panose="05000000000000000000" pitchFamily="2" charset="2"/>
+              <a:buChar char="v"/>
             </a:pPr>
             <a:r>
-              <a:rPr lang="pt-BR" sz="2000"/>
-              <a:t>“É um problema que preocupa porque o excesso de peso do material escolar tem dificultado a questão da saúde da coluna” Júlio Guilherme, diretor do Sinfito-RJ</a:t>
+              <a:rPr lang="pt-BR" dirty="0">
+                <a:solidFill>
+                  <a:schemeClr val="tx1"/>
+                </a:solidFill>
+                <a:latin typeface="Calibri" panose="020F0502020204030204" pitchFamily="34" charset="0"/>
+              </a:rPr>
+              <a:t>“É um problema que preocupa porque o excesso de peso do material escolar tem dificultado a questão da saúde da coluna” Júlio Guilherme, diretor do </a:t>
+            </a:r>
+            <a:r>
+              <a:rPr lang="pt-BR" dirty="0" err="1">
+                <a:solidFill>
+                  <a:schemeClr val="tx1"/>
+                </a:solidFill>
+                <a:latin typeface="Calibri" panose="020F0502020204030204" pitchFamily="34" charset="0"/>
+              </a:rPr>
+              <a:t>Sinfito</a:t>
+            </a:r>
+            <a:r>
+              <a:rPr lang="pt-BR" dirty="0">
+                <a:solidFill>
+                  <a:schemeClr val="tx1"/>
+                </a:solidFill>
+                <a:latin typeface="Calibri" panose="020F0502020204030204" pitchFamily="34" charset="0"/>
+              </a:rPr>
+              <a:t>-RJ</a:t>
             </a:r>
           </a:p>
           <a:p>
-            <a:pPr marL="285750" indent="-285750" algn="l">
-              <a:buFont typeface="Arial" panose="020B0604020202020204" pitchFamily="34" charset="0"/>
-              <a:buChar char="•"/>
+            <a:pPr algn="l">
+              <a:buFont typeface="Wingdings" panose="05000000000000000000" pitchFamily="2" charset="2"/>
+              <a:buChar char="v"/>
             </a:pPr>
-            <a:endParaRPr lang="pt-BR" sz="2000"/>
+            <a:endParaRPr lang="pt-BR" dirty="0">
+              <a:solidFill>
+                <a:schemeClr val="tx1"/>
+              </a:solidFill>
+              <a:latin typeface="Calibri" panose="020F0502020204030204" pitchFamily="34" charset="0"/>
+            </a:endParaRPr>
           </a:p>
           <a:p>
-            <a:pPr marL="285750" indent="-285750" algn="l">
-              <a:buFont typeface="Arial" panose="020B0604020202020204" pitchFamily="34" charset="0"/>
-              <a:buChar char="•"/>
+            <a:pPr algn="l">
+              <a:buFont typeface="Wingdings" panose="05000000000000000000" pitchFamily="2" charset="2"/>
+              <a:buChar char="v"/>
             </a:pPr>
             <a:r>
-              <a:rPr lang="pt-BR" sz="2000"/>
+              <a:rPr lang="pt-BR" dirty="0">
+                <a:solidFill>
+                  <a:schemeClr val="tx1"/>
+                </a:solidFill>
+                <a:latin typeface="Calibri" panose="020F0502020204030204" pitchFamily="34" charset="0"/>
+              </a:rPr>
               <a:t>Garante mais segurança: além de prevenir frutos, garante que o aluno não esqueça o material essencial em casa.</a:t>
             </a:r>
             <a:endParaRPr lang="pt-BR" sz="2800" dirty="0">
@@ -7947,12 +8264,12 @@
       <p:bgPr>
         <a:blipFill dpi="0" rotWithShape="1">
           <a:blip r:embed="rId2">
-            <a:alphaModFix amt="36000"/>
+            <a:alphaModFix amt="20000"/>
             <a:lum/>
           </a:blip>
           <a:srcRect/>
           <a:stretch>
-            <a:fillRect t="-29000" b="-29000"/>
+            <a:fillRect t="-17000" b="-17000"/>
           </a:stretch>
         </a:blipFill>
         <a:effectLst/>
@@ -8007,13 +8324,13 @@
         </p:nvSpPr>
         <p:spPr>
           <a:xfrm>
-            <a:off x="1251678" y="1718443"/>
-            <a:ext cx="10178322" cy="3593591"/>
+            <a:off x="1251678" y="1481960"/>
+            <a:ext cx="10178322" cy="5123792"/>
           </a:xfrm>
         </p:spPr>
         <p:txBody>
           <a:bodyPr>
-            <a:normAutofit lnSpcReduction="10000"/>
+            <a:normAutofit/>
           </a:bodyPr>
           <a:lstStyle/>
           <a:p>
@@ -8022,7 +8339,7 @@
               <a:buChar char="v"/>
             </a:pPr>
             <a:r>
-              <a:rPr lang="pt-BR" sz="2400" dirty="0">
+              <a:rPr lang="pt-BR" sz="2800" dirty="0">
                 <a:solidFill>
                   <a:schemeClr val="tx1"/>
                 </a:solidFill>
@@ -8032,7 +8349,7 @@
               <a:t>Aprimorar e facilitar a organização do gerenciamento de armários da </a:t>
             </a:r>
             <a:r>
-              <a:rPr lang="pt-BR" sz="2400" dirty="0" err="1">
+              <a:rPr lang="pt-BR" sz="2800" dirty="0" err="1">
                 <a:solidFill>
                   <a:schemeClr val="tx1"/>
                 </a:solidFill>
@@ -8042,18 +8359,31 @@
               <a:t>Etec</a:t>
             </a:r>
             <a:r>
-              <a:rPr lang="pt-BR" sz="2400" dirty="0">
+              <a:rPr lang="pt-BR" sz="2800" dirty="0">
                 <a:solidFill>
                   <a:schemeClr val="tx1"/>
                 </a:solidFill>
                 <a:latin typeface="Calibri" panose="020F0502020204030204" pitchFamily="34" charset="0"/>
                 <a:cs typeface="Calibri" panose="020F0502020204030204" pitchFamily="34" charset="0"/>
               </a:rPr>
-              <a:t> de Itanhaém, através de um sistema online (Geral)</a:t>
+              <a:t> de Itanhaém, através de um sistema online (Geral</a:t>
+            </a:r>
+            <a:r>
+              <a:rPr lang="pt-BR" sz="2800" dirty="0" smtClean="0">
+                <a:solidFill>
+                  <a:schemeClr val="tx1"/>
+                </a:solidFill>
+                <a:latin typeface="Calibri" panose="020F0502020204030204" pitchFamily="34" charset="0"/>
+                <a:cs typeface="Calibri" panose="020F0502020204030204" pitchFamily="34" charset="0"/>
+              </a:rPr>
+              <a:t>)</a:t>
             </a:r>
           </a:p>
           <a:p>
-            <a:endParaRPr lang="pt-BR" dirty="0"/>
+            <a:pPr marL="0" indent="0">
+              <a:buNone/>
+            </a:pPr>
+            <a:endParaRPr lang="pt-BR" dirty="0" smtClean="0"/>
           </a:p>
           <a:p>
             <a:pPr>
@@ -8061,17 +8391,27 @@
               <a:buChar char="v"/>
             </a:pPr>
             <a:r>
-              <a:rPr lang="pt-BR" sz="2400" dirty="0">
+              <a:rPr lang="pt-BR" sz="2400" dirty="0" smtClean="0">
                 <a:solidFill>
                   <a:schemeClr val="tx1"/>
                 </a:solidFill>
                 <a:latin typeface="Calibri" panose="020F0502020204030204" pitchFamily="34" charset="0"/>
                 <a:cs typeface="Calibri" panose="020F0502020204030204" pitchFamily="34" charset="0"/>
               </a:rPr>
-              <a:t>  Verificar a disponibilidade de armários  na </a:t>
+              <a:t>  </a:t>
             </a:r>
             <a:r>
-              <a:rPr lang="pt-BR" sz="2400" dirty="0" err="1">
+              <a:rPr lang="pt-BR" sz="2800" dirty="0">
+                <a:solidFill>
+                  <a:schemeClr val="tx1"/>
+                </a:solidFill>
+                <a:latin typeface="Calibri" panose="020F0502020204030204" pitchFamily="34" charset="0"/>
+                <a:cs typeface="Calibri" panose="020F0502020204030204" pitchFamily="34" charset="0"/>
+              </a:rPr>
+              <a:t>Verificar a disponibilidade de armários  na </a:t>
+            </a:r>
+            <a:r>
+              <a:rPr lang="pt-BR" sz="2800" dirty="0" err="1">
                 <a:solidFill>
                   <a:schemeClr val="tx1"/>
                 </a:solidFill>
@@ -8081,15 +8421,38 @@
               <a:t>Etec</a:t>
             </a:r>
             <a:r>
-              <a:rPr lang="pt-BR" sz="2400" dirty="0">
+              <a:rPr lang="pt-BR" sz="2800" dirty="0">
                 <a:solidFill>
                   <a:schemeClr val="tx1"/>
                 </a:solidFill>
                 <a:latin typeface="Calibri" panose="020F0502020204030204" pitchFamily="34" charset="0"/>
                 <a:cs typeface="Calibri" panose="020F0502020204030204" pitchFamily="34" charset="0"/>
               </a:rPr>
-              <a:t> de Itanhaém;</a:t>
+              <a:t> de Itanhaém</a:t>
             </a:r>
+            <a:r>
+              <a:rPr lang="pt-BR" sz="2800" dirty="0" smtClean="0">
+                <a:solidFill>
+                  <a:schemeClr val="tx1"/>
+                </a:solidFill>
+                <a:latin typeface="Calibri" panose="020F0502020204030204" pitchFamily="34" charset="0"/>
+                <a:cs typeface="Calibri" panose="020F0502020204030204" pitchFamily="34" charset="0"/>
+              </a:rPr>
+              <a:t>;</a:t>
+            </a:r>
+          </a:p>
+          <a:p>
+            <a:pPr>
+              <a:buFont typeface="Wingdings" panose="05000000000000000000" pitchFamily="2" charset="2"/>
+              <a:buChar char="v"/>
+            </a:pPr>
+            <a:endParaRPr lang="pt-BR" sz="2400" dirty="0">
+              <a:solidFill>
+                <a:schemeClr val="tx1"/>
+              </a:solidFill>
+              <a:latin typeface="Calibri" panose="020F0502020204030204" pitchFamily="34" charset="0"/>
+              <a:cs typeface="Calibri" panose="020F0502020204030204" pitchFamily="34" charset="0"/>
+            </a:endParaRPr>
           </a:p>
           <a:p>
             <a:pPr>
@@ -8120,8 +8483,31 @@
                 <a:latin typeface="Calibri" panose="020F0502020204030204" pitchFamily="34" charset="0"/>
                 <a:cs typeface="Calibri" panose="020F0502020204030204" pitchFamily="34" charset="0"/>
               </a:rPr>
-              <a:t>Analisar a dificuldade de locação dos armários feito pelos alunos;</a:t>
+              <a:t>Analisar a dificuldade de locação dos armários feito pelos alunos</a:t>
             </a:r>
+            <a:r>
+              <a:rPr lang="pt-BR" sz="2400" dirty="0" smtClean="0">
+                <a:solidFill>
+                  <a:schemeClr val="tx1"/>
+                </a:solidFill>
+                <a:latin typeface="Calibri" panose="020F0502020204030204" pitchFamily="34" charset="0"/>
+                <a:cs typeface="Calibri" panose="020F0502020204030204" pitchFamily="34" charset="0"/>
+              </a:rPr>
+              <a:t>;</a:t>
+            </a:r>
+          </a:p>
+          <a:p>
+            <a:pPr>
+              <a:buFont typeface="Wingdings" panose="05000000000000000000" pitchFamily="2" charset="2"/>
+              <a:buChar char="v"/>
+            </a:pPr>
+            <a:endParaRPr lang="pt-BR" sz="2400" dirty="0">
+              <a:solidFill>
+                <a:schemeClr val="tx1"/>
+              </a:solidFill>
+              <a:latin typeface="Calibri" panose="020F0502020204030204" pitchFamily="34" charset="0"/>
+              <a:cs typeface="Calibri" panose="020F0502020204030204" pitchFamily="34" charset="0"/>
+            </a:endParaRPr>
           </a:p>
           <a:p>
             <a:pPr>
@@ -8180,6 +8566,21 @@
 <file path=ppt/slides/slide6.xml><?xml version="1.0" encoding="utf-8"?>
 <p:sld xmlns:a="http://schemas.openxmlformats.org/drawingml/2006/main" xmlns:r="http://schemas.openxmlformats.org/officeDocument/2006/relationships" xmlns:p="http://schemas.openxmlformats.org/presentationml/2006/main">
   <p:cSld>
+    <p:bg>
+      <p:bgPr>
+        <a:blipFill dpi="0" rotWithShape="1">
+          <a:blip r:embed="rId2">
+            <a:alphaModFix amt="20000"/>
+            <a:lum/>
+          </a:blip>
+          <a:srcRect/>
+          <a:stretch>
+            <a:fillRect t="-17000" b="-17000"/>
+          </a:stretch>
+        </a:blipFill>
+        <a:effectLst/>
+      </p:bgPr>
+    </p:bg>
     <p:spTree>
       <p:nvGrpSpPr>
         <p:cNvPr id="1" name=""/>
@@ -8251,13 +8652,8 @@
           <a:p>
             <a:r>
               <a:rPr lang="pt-BR" dirty="0" smtClean="0"/>
-              <a:t>Disponibilizar para </a:t>
+              <a:t>Disponibilizar para o noturno</a:t>
             </a:r>
-            <a:r>
-              <a:rPr lang="pt-BR" smtClean="0"/>
-              <a:t>o noturno</a:t>
-            </a:r>
-            <a:endParaRPr lang="pt-BR" dirty="0" smtClean="0"/>
           </a:p>
           <a:p>
             <a:endParaRPr lang="pt-BR" dirty="0" smtClean="0"/>
@@ -8274,6 +8670,9 @@
   <p:clrMapOvr>
     <a:masterClrMapping/>
   </p:clrMapOvr>
+  <p:transition spd="slow">
+    <p:push dir="u"/>
+  </p:transition>
   <p:timing>
     <p:tnLst>
       <p:par>
@@ -8291,12 +8690,89 @@
       <p:bgPr>
         <a:blipFill dpi="0" rotWithShape="1">
           <a:blip r:embed="rId2">
-            <a:alphaModFix amt="36000"/>
             <a:lum/>
           </a:blip>
           <a:srcRect/>
           <a:stretch>
-            <a:fillRect t="-29000" b="-29000"/>
+            <a:fillRect t="-17000" b="-17000"/>
+          </a:stretch>
+        </a:blipFill>
+        <a:effectLst/>
+      </p:bgPr>
+    </p:bg>
+    <p:spTree>
+      <p:nvGrpSpPr>
+        <p:cNvPr id="1" name=""/>
+        <p:cNvGrpSpPr/>
+        <p:nvPr/>
+      </p:nvGrpSpPr>
+      <p:grpSpPr>
+        <a:xfrm>
+          <a:off x="0" y="0"/>
+          <a:ext cx="0" cy="0"/>
+          <a:chOff x="0" y="0"/>
+          <a:chExt cx="0" cy="0"/>
+        </a:xfrm>
+      </p:grpSpPr>
+      <p:sp>
+        <p:nvSpPr>
+          <p:cNvPr id="2" name="Título 1"/>
+          <p:cNvSpPr>
+            <a:spLocks noGrp="1"/>
+          </p:cNvSpPr>
+          <p:nvPr>
+            <p:ph type="title"/>
+          </p:nvPr>
+        </p:nvSpPr>
+        <p:spPr/>
+        <p:txBody>
+          <a:bodyPr/>
+          <a:lstStyle/>
+          <a:p>
+            <a:r>
+              <a:rPr lang="pt-BR" dirty="0" smtClean="0"/>
+              <a:t>Identidade Visual</a:t>
+            </a:r>
+            <a:endParaRPr lang="pt-BR" dirty="0"/>
+          </a:p>
+        </p:txBody>
+      </p:sp>
+    </p:spTree>
+    <p:extLst>
+      <p:ext uri="{BB962C8B-B14F-4D97-AF65-F5344CB8AC3E}">
+        <p14:creationId xmlns:p14="http://schemas.microsoft.com/office/powerpoint/2010/main" val="3680777883"/>
+      </p:ext>
+    </p:extLst>
+  </p:cSld>
+  <p:clrMapOvr>
+    <a:masterClrMapping/>
+  </p:clrMapOvr>
+  <p:transition spd="slow">
+    <p:push dir="u"/>
+  </p:transition>
+  <p:timing>
+    <p:tnLst>
+      <p:par>
+        <p:cTn id="1" dur="indefinite" restart="never" nodeType="tmRoot"/>
+      </p:par>
+    </p:tnLst>
+  </p:timing>
+</p:sld>
+</file>
+
+<file path=ppt/slides/slide8.xml><?xml version="1.0" encoding="utf-8"?>
+<p:sld xmlns:a="http://schemas.openxmlformats.org/drawingml/2006/main" xmlns:r="http://schemas.openxmlformats.org/officeDocument/2006/relationships" xmlns:p="http://schemas.openxmlformats.org/presentationml/2006/main">
+  <p:cSld>
+    <p:bg>
+      <p:bgPr>
+        <a:blipFill dpi="0" rotWithShape="1">
+          <a:blip r:embed="rId2">
+            <a:alphaModFix amt="20000"/>
+            <a:lum/>
+          </a:blip>
+          <a:srcRect/>
+          <a:stretch>
+            <a:fillRect t="-17000" b="-17000"/>
           </a:stretch>
         </a:blipFill>
         <a:effectLst/>
@@ -8752,19 +9228,19 @@
 </p:sld>
 </file>
 
-<file path=ppt/slides/slide8.xml><?xml version="1.0" encoding="utf-8"?>
+<file path=ppt/slides/slide9.xml><?xml version="1.0" encoding="utf-8"?>
 <p:sld xmlns:a="http://schemas.openxmlformats.org/drawingml/2006/main" xmlns:r="http://schemas.openxmlformats.org/officeDocument/2006/relationships" xmlns:p="http://schemas.openxmlformats.org/presentationml/2006/main">
   <p:cSld>
     <p:bg>
       <p:bgPr>
         <a:blipFill dpi="0" rotWithShape="1">
           <a:blip r:embed="rId2">
-            <a:alphaModFix amt="23000"/>
+            <a:alphaModFix amt="20000"/>
             <a:lum/>
           </a:blip>
           <a:srcRect/>
           <a:stretch>
-            <a:fillRect t="-29000" b="-29000"/>
+            <a:fillRect t="-17000" b="-17000"/>
           </a:stretch>
         </a:blipFill>
         <a:effectLst/>
@@ -24311,89 +24787,10 @@
 </p:sld>
 </file>
 
-<file path=ppt/slides/slide9.xml><?xml version="1.0" encoding="utf-8"?>
-<p:sld xmlns:a="http://schemas.openxmlformats.org/drawingml/2006/main" xmlns:r="http://schemas.openxmlformats.org/officeDocument/2006/relationships" xmlns:p="http://schemas.openxmlformats.org/presentationml/2006/main">
-  <p:cSld>
-    <p:spTree>
-      <p:nvGrpSpPr>
-        <p:cNvPr id="1" name=""/>
-        <p:cNvGrpSpPr/>
-        <p:nvPr/>
-      </p:nvGrpSpPr>
-      <p:grpSpPr>
-        <a:xfrm>
-          <a:off x="0" y="0"/>
-          <a:ext cx="0" cy="0"/>
-          <a:chOff x="0" y="0"/>
-          <a:chExt cx="0" cy="0"/>
-        </a:xfrm>
-      </p:grpSpPr>
-      <p:sp>
-        <p:nvSpPr>
-          <p:cNvPr id="2" name="Título 1"/>
-          <p:cNvSpPr>
-            <a:spLocks noGrp="1"/>
-          </p:cNvSpPr>
-          <p:nvPr>
-            <p:ph type="title"/>
-          </p:nvPr>
-        </p:nvSpPr>
-        <p:spPr/>
-        <p:txBody>
-          <a:bodyPr/>
-          <a:lstStyle/>
-          <a:p>
-            <a:r>
-              <a:rPr lang="pt-BR" dirty="0" err="1" smtClean="0"/>
-              <a:t>Wireframe</a:t>
-            </a:r>
-            <a:endParaRPr lang="pt-BR" dirty="0"/>
-          </a:p>
-        </p:txBody>
-      </p:sp>
-      <p:sp>
-        <p:nvSpPr>
-          <p:cNvPr id="3" name="Espaço Reservado para Conteúdo 2"/>
-          <p:cNvSpPr>
-            <a:spLocks noGrp="1"/>
-          </p:cNvSpPr>
-          <p:nvPr>
-            <p:ph idx="1"/>
-          </p:nvPr>
-        </p:nvSpPr>
-        <p:spPr/>
-        <p:txBody>
-          <a:bodyPr/>
-          <a:lstStyle/>
-          <a:p>
-            <a:endParaRPr lang="pt-BR"/>
-          </a:p>
-        </p:txBody>
-      </p:sp>
-    </p:spTree>
-    <p:extLst>
-      <p:ext uri="{BB962C8B-B14F-4D97-AF65-F5344CB8AC3E}">
-        <p14:creationId xmlns:p14="http://schemas.microsoft.com/office/powerpoint/2010/main" val="622716695"/>
-      </p:ext>
-    </p:extLst>
-  </p:cSld>
-  <p:clrMapOvr>
-    <a:masterClrMapping/>
-  </p:clrMapOvr>
-  <p:timing>
-    <p:tnLst>
-      <p:par>
-        <p:cTn id="1" dur="indefinite" restart="never" nodeType="tmRoot"/>
-      </p:par>
-    </p:tnLst>
-  </p:timing>
-</p:sld>
-</file>
-
 <file path=ppt/theme/theme1.xml><?xml version="1.0" encoding="utf-8"?>
-<a:theme xmlns:a="http://schemas.openxmlformats.org/drawingml/2006/main" name="Selo">
+<a:theme xmlns:a="http://schemas.openxmlformats.org/drawingml/2006/main" name="Badge">
   <a:themeElements>
-    <a:clrScheme name="Selo">
+    <a:clrScheme name="Escala de Cinza">
       <a:dk1>
         <a:sysClr val="windowText" lastClr="000000"/>
       </a:dk1>
@@ -24401,37 +24798,37 @@
         <a:sysClr val="window" lastClr="FFFFFF"/>
       </a:lt1>
       <a:dk2>
-        <a:srgbClr val="0B082E"/>
+        <a:srgbClr val="000000"/>
       </a:dk2>
       <a:lt2>
-        <a:srgbClr val="F3F3F2"/>
+        <a:srgbClr val="F8F8F8"/>
       </a:lt2>
       <a:accent1>
-        <a:srgbClr val="62B4C6"/>
+        <a:srgbClr val="DDDDDD"/>
       </a:accent1>
       <a:accent2>
-        <a:srgbClr val="1B376E"/>
+        <a:srgbClr val="B2B2B2"/>
       </a:accent2>
       <a:accent3>
-        <a:srgbClr val="9EBE55"/>
+        <a:srgbClr val="969696"/>
       </a:accent3>
       <a:accent4>
-        <a:srgbClr val="C65E5E"/>
+        <a:srgbClr val="808080"/>
       </a:accent4>
       <a:accent5>
-        <a:srgbClr val="D3BA55"/>
+        <a:srgbClr val="5F5F5F"/>
       </a:accent5>
       <a:accent6>
-        <a:srgbClr val="96648A"/>
+        <a:srgbClr val="4D4D4D"/>
       </a:accent6>
       <a:hlink>
-        <a:srgbClr val="62B4C6"/>
+        <a:srgbClr val="5F5F5F"/>
       </a:hlink>
       <a:folHlink>
-        <a:srgbClr val="96648A"/>
+        <a:srgbClr val="919191"/>
       </a:folHlink>
     </a:clrScheme>
-    <a:fontScheme name="Selo">
+    <a:fontScheme name="Badge">
       <a:majorFont>
         <a:latin typeface="Impact" panose="020B0806030902050204"/>
         <a:ea typeface=""/>
@@ -24505,7 +24902,7 @@
         <a:font script="Geor" typeface="Sylfaen"/>
       </a:minorFont>
     </a:fontScheme>
-    <a:fmtScheme name="Selo">
+    <a:fmtScheme name="Badge">
       <a:fillStyleLst>
         <a:solidFill>
           <a:schemeClr val="phClr"/>
@@ -24644,7 +25041,7 @@
   <a:extraClrSchemeLst/>
   <a:extLst>
     <a:ext uri="{05A4C25C-085E-4340-85A3-A5531E510DB2}">
-      <thm15:themeFamily xmlns:thm15="http://schemas.microsoft.com/office/thememl/2012/main" name="Badge" id="{71A07785-5930-41D4-9A83-E23602B48E98}" vid="{D71F8F05-6246-47AF-9E68-E57F6C93F792}"/>
+      <thm15:themeFamily xmlns:thm15="http://schemas.microsoft.com/office/thememl/2012/main" name="Badge" id="{71A07785-5930-41D4-9A83-E23602B48E98}" vid="{A1A3E1F0-B5EF-49C5-810A-B1B32AEDDC80}"/>
     </a:ext>
   </a:extLst>
 </a:theme>
